--- a/ppt/B扫切分示意图.pptx
+++ b/ppt/B扫切分示意图.pptx
@@ -243,7 +243,7 @@
           <a:p>
             <a:fld id="{34C4DD38-1FB7-4253-817A-DC75A08D0422}" type="datetimeFigureOut">
               <a:rPr lang="zh-CN" altLang="en-US" smtClean="0"/>
-              <a:t>2019/3/26</a:t>
+              <a:t>2019/3/31</a:t>
             </a:fld>
             <a:endParaRPr lang="zh-CN" altLang="en-US"/>
           </a:p>
@@ -413,7 +413,7 @@
           <a:p>
             <a:fld id="{34C4DD38-1FB7-4253-817A-DC75A08D0422}" type="datetimeFigureOut">
               <a:rPr lang="zh-CN" altLang="en-US" smtClean="0"/>
-              <a:t>2019/3/26</a:t>
+              <a:t>2019/3/31</a:t>
             </a:fld>
             <a:endParaRPr lang="zh-CN" altLang="en-US"/>
           </a:p>
@@ -593,7 +593,7 @@
           <a:p>
             <a:fld id="{34C4DD38-1FB7-4253-817A-DC75A08D0422}" type="datetimeFigureOut">
               <a:rPr lang="zh-CN" altLang="en-US" smtClean="0"/>
-              <a:t>2019/3/26</a:t>
+              <a:t>2019/3/31</a:t>
             </a:fld>
             <a:endParaRPr lang="zh-CN" altLang="en-US"/>
           </a:p>
@@ -763,7 +763,7 @@
           <a:p>
             <a:fld id="{34C4DD38-1FB7-4253-817A-DC75A08D0422}" type="datetimeFigureOut">
               <a:rPr lang="zh-CN" altLang="en-US" smtClean="0"/>
-              <a:t>2019/3/26</a:t>
+              <a:t>2019/3/31</a:t>
             </a:fld>
             <a:endParaRPr lang="zh-CN" altLang="en-US"/>
           </a:p>
@@ -1007,7 +1007,7 @@
           <a:p>
             <a:fld id="{34C4DD38-1FB7-4253-817A-DC75A08D0422}" type="datetimeFigureOut">
               <a:rPr lang="zh-CN" altLang="en-US" smtClean="0"/>
-              <a:t>2019/3/26</a:t>
+              <a:t>2019/3/31</a:t>
             </a:fld>
             <a:endParaRPr lang="zh-CN" altLang="en-US"/>
           </a:p>
@@ -1239,7 +1239,7 @@
           <a:p>
             <a:fld id="{34C4DD38-1FB7-4253-817A-DC75A08D0422}" type="datetimeFigureOut">
               <a:rPr lang="zh-CN" altLang="en-US" smtClean="0"/>
-              <a:t>2019/3/26</a:t>
+              <a:t>2019/3/31</a:t>
             </a:fld>
             <a:endParaRPr lang="zh-CN" altLang="en-US"/>
           </a:p>
@@ -1606,7 +1606,7 @@
           <a:p>
             <a:fld id="{34C4DD38-1FB7-4253-817A-DC75A08D0422}" type="datetimeFigureOut">
               <a:rPr lang="zh-CN" altLang="en-US" smtClean="0"/>
-              <a:t>2019/3/26</a:t>
+              <a:t>2019/3/31</a:t>
             </a:fld>
             <a:endParaRPr lang="zh-CN" altLang="en-US"/>
           </a:p>
@@ -1724,7 +1724,7 @@
           <a:p>
             <a:fld id="{34C4DD38-1FB7-4253-817A-DC75A08D0422}" type="datetimeFigureOut">
               <a:rPr lang="zh-CN" altLang="en-US" smtClean="0"/>
-              <a:t>2019/3/26</a:t>
+              <a:t>2019/3/31</a:t>
             </a:fld>
             <a:endParaRPr lang="zh-CN" altLang="en-US"/>
           </a:p>
@@ -1819,7 +1819,7 @@
           <a:p>
             <a:fld id="{34C4DD38-1FB7-4253-817A-DC75A08D0422}" type="datetimeFigureOut">
               <a:rPr lang="zh-CN" altLang="en-US" smtClean="0"/>
-              <a:t>2019/3/26</a:t>
+              <a:t>2019/3/31</a:t>
             </a:fld>
             <a:endParaRPr lang="zh-CN" altLang="en-US"/>
           </a:p>
@@ -2096,7 +2096,7 @@
           <a:p>
             <a:fld id="{34C4DD38-1FB7-4253-817A-DC75A08D0422}" type="datetimeFigureOut">
               <a:rPr lang="zh-CN" altLang="en-US" smtClean="0"/>
-              <a:t>2019/3/26</a:t>
+              <a:t>2019/3/31</a:t>
             </a:fld>
             <a:endParaRPr lang="zh-CN" altLang="en-US"/>
           </a:p>
@@ -2353,7 +2353,7 @@
           <a:p>
             <a:fld id="{34C4DD38-1FB7-4253-817A-DC75A08D0422}" type="datetimeFigureOut">
               <a:rPr lang="zh-CN" altLang="en-US" smtClean="0"/>
-              <a:t>2019/3/26</a:t>
+              <a:t>2019/3/31</a:t>
             </a:fld>
             <a:endParaRPr lang="zh-CN" altLang="en-US"/>
           </a:p>
@@ -2566,7 +2566,7 @@
           <a:p>
             <a:fld id="{34C4DD38-1FB7-4253-817A-DC75A08D0422}" type="datetimeFigureOut">
               <a:rPr lang="zh-CN" altLang="en-US" smtClean="0"/>
-              <a:t>2019/3/26</a:t>
+              <a:t>2019/3/31</a:t>
             </a:fld>
             <a:endParaRPr lang="zh-CN" altLang="en-US"/>
           </a:p>
@@ -3014,6 +3014,7 @@
             <a:solidFill>
               <a:schemeClr val="bg1"/>
             </a:solidFill>
+            <a:prstDash val="dash"/>
           </a:ln>
         </p:spPr>
         <p:style>
@@ -3081,6 +3082,7 @@
             <a:solidFill>
               <a:schemeClr val="bg1"/>
             </a:solidFill>
+            <a:prstDash val="dash"/>
           </a:ln>
         </p:spPr>
         <p:style>
@@ -3125,6 +3127,7 @@
             <a:solidFill>
               <a:schemeClr val="bg1"/>
             </a:solidFill>
+            <a:prstDash val="dash"/>
           </a:ln>
         </p:spPr>
         <p:style>
@@ -3381,13 +3384,13 @@
       </p:sp>
       <p:sp>
         <p:nvSpPr>
-          <p:cNvPr id="48" name="文本框 47"/>
+          <p:cNvPr id="49" name="文本框 48"/>
           <p:cNvSpPr txBox="1"/>
           <p:nvPr/>
         </p:nvSpPr>
         <p:spPr>
           <a:xfrm>
-            <a:off x="2061713" y="733245"/>
+            <a:off x="2915728" y="730369"/>
             <a:ext cx="646331" cy="461665"/>
           </a:xfrm>
           <a:prstGeom prst="rect">
@@ -3419,44 +3422,6 @@
       </p:sp>
       <p:sp>
         <p:nvSpPr>
-          <p:cNvPr id="49" name="文本框 48"/>
-          <p:cNvSpPr txBox="1"/>
-          <p:nvPr/>
-        </p:nvSpPr>
-        <p:spPr>
-          <a:xfrm>
-            <a:off x="2915728" y="730369"/>
-            <a:ext cx="646331" cy="461665"/>
-          </a:xfrm>
-          <a:prstGeom prst="rect">
-            <a:avLst/>
-          </a:prstGeom>
-          <a:noFill/>
-        </p:spPr>
-        <p:txBody>
-          <a:bodyPr wrap="none" rtlCol="0">
-            <a:spAutoFit/>
-          </a:bodyPr>
-          <a:lstStyle/>
-          <a:p>
-            <a:r>
-              <a:rPr lang="en-US" altLang="zh-CN" sz="2400" dirty="0" smtClean="0">
-                <a:solidFill>
-                  <a:schemeClr val="bg1"/>
-                </a:solidFill>
-              </a:rPr>
-              <a:t>······</a:t>
-            </a:r>
-            <a:endParaRPr lang="zh-CN" altLang="en-US" sz="2400" dirty="0">
-              <a:solidFill>
-                <a:schemeClr val="bg1"/>
-              </a:solidFill>
-            </a:endParaRPr>
-          </a:p>
-        </p:txBody>
-      </p:sp>
-      <p:sp>
-        <p:nvSpPr>
           <p:cNvPr id="50" name="文本框 49"/>
           <p:cNvSpPr txBox="1"/>
           <p:nvPr/>
@@ -3531,8 +3496,8 @@
           </a:p>
         </p:txBody>
       </p:sp>
-      <mc:AlternateContent xmlns:mc="http://schemas.openxmlformats.org/markup-compatibility/2006">
-        <mc:Choice xmlns:a14="http://schemas.microsoft.com/office/drawing/2010/main" Requires="a14">
+      <mc:AlternateContent xmlns:mc="http://schemas.openxmlformats.org/markup-compatibility/2006" xmlns:a14="http://schemas.microsoft.com/office/drawing/2010/main">
+        <mc:Choice Requires="a14">
           <p:sp>
             <p:nvSpPr>
               <p:cNvPr id="33" name="文本框 32"/>
@@ -3607,7 +3572,7 @@
             </p:txBody>
           </p:sp>
         </mc:Choice>
-        <mc:Fallback>
+        <mc:Fallback xmlns="">
           <p:sp>
             <p:nvSpPr>
               <p:cNvPr id="33" name="文本框 32"/>
@@ -4081,8 +4046,8 @@
           </p:sp>
         </mc:Fallback>
       </mc:AlternateContent>
-      <mc:AlternateContent xmlns:mc="http://schemas.openxmlformats.org/markup-compatibility/2006">
-        <mc:Choice xmlns:a14="http://schemas.microsoft.com/office/drawing/2010/main" Requires="a14">
+      <mc:AlternateContent xmlns:mc="http://schemas.openxmlformats.org/markup-compatibility/2006" xmlns:a14="http://schemas.microsoft.com/office/drawing/2010/main">
+        <mc:Choice Requires="a14">
           <p:sp>
             <p:nvSpPr>
               <p:cNvPr id="76" name="文本框 75"/>
@@ -4150,7 +4115,7 @@
             </p:txBody>
           </p:sp>
         </mc:Choice>
-        <mc:Fallback>
+        <mc:Fallback xmlns="">
           <p:sp>
             <p:nvSpPr>
               <p:cNvPr id="76" name="文本框 75"/>
@@ -4878,8 +4843,8 @@
           </a:fontRef>
         </p:style>
       </p:cxnSp>
-      <mc:AlternateContent xmlns:mc="http://schemas.openxmlformats.org/markup-compatibility/2006">
-        <mc:Choice xmlns:a14="http://schemas.microsoft.com/office/drawing/2010/main" Requires="a14">
+      <mc:AlternateContent xmlns:mc="http://schemas.openxmlformats.org/markup-compatibility/2006" xmlns:a14="http://schemas.microsoft.com/office/drawing/2010/main">
+        <mc:Choice Requires="a14">
           <p:sp>
             <p:nvSpPr>
               <p:cNvPr id="104" name="文本框 103"/>
@@ -4927,7 +4892,7 @@
             </p:txBody>
           </p:sp>
         </mc:Choice>
-        <mc:Fallback>
+        <mc:Fallback xmlns="">
           <p:sp>
             <p:nvSpPr>
               <p:cNvPr id="104" name="文本框 103"/>
@@ -4966,8 +4931,8 @@
           </p:sp>
         </mc:Fallback>
       </mc:AlternateContent>
-      <mc:AlternateContent xmlns:mc="http://schemas.openxmlformats.org/markup-compatibility/2006">
-        <mc:Choice xmlns:a14="http://schemas.microsoft.com/office/drawing/2010/main" Requires="a14">
+      <mc:AlternateContent xmlns:mc="http://schemas.openxmlformats.org/markup-compatibility/2006" xmlns:a14="http://schemas.microsoft.com/office/drawing/2010/main">
+        <mc:Choice Requires="a14">
           <p:sp>
             <p:nvSpPr>
               <p:cNvPr id="105" name="文本框 104"/>
@@ -5015,7 +4980,7 @@
             </p:txBody>
           </p:sp>
         </mc:Choice>
-        <mc:Fallback>
+        <mc:Fallback xmlns="">
           <p:sp>
             <p:nvSpPr>
               <p:cNvPr id="105" name="文本框 104"/>
@@ -5163,8 +5128,8 @@
           </p:sp>
         </mc:Fallback>
       </mc:AlternateContent>
-      <mc:AlternateContent xmlns:mc="http://schemas.openxmlformats.org/markup-compatibility/2006" xmlns:a14="http://schemas.microsoft.com/office/drawing/2010/main">
-        <mc:Choice Requires="a14">
+      <mc:AlternateContent xmlns:mc="http://schemas.openxmlformats.org/markup-compatibility/2006">
+        <mc:Choice xmlns:a14="http://schemas.microsoft.com/office/drawing/2010/main" Requires="a14">
           <p:sp>
             <p:nvSpPr>
               <p:cNvPr id="108" name="文本框 107"/>
@@ -5233,7 +5198,7 @@
             </p:txBody>
           </p:sp>
         </mc:Choice>
-        <mc:Fallback xmlns="">
+        <mc:Fallback>
           <p:sp>
             <p:nvSpPr>
               <p:cNvPr id="108" name="文本框 107"/>
@@ -5483,6 +5448,44 @@
           </a:fontRef>
         </p:style>
       </p:cxnSp>
+      <p:sp>
+        <p:nvSpPr>
+          <p:cNvPr id="55" name="文本框 54"/>
+          <p:cNvSpPr txBox="1"/>
+          <p:nvPr/>
+        </p:nvSpPr>
+        <p:spPr>
+          <a:xfrm>
+            <a:off x="2055961" y="727493"/>
+            <a:ext cx="646331" cy="461665"/>
+          </a:xfrm>
+          <a:prstGeom prst="rect">
+            <a:avLst/>
+          </a:prstGeom>
+          <a:noFill/>
+        </p:spPr>
+        <p:txBody>
+          <a:bodyPr wrap="none" rtlCol="0">
+            <a:spAutoFit/>
+          </a:bodyPr>
+          <a:lstStyle/>
+          <a:p>
+            <a:r>
+              <a:rPr lang="en-US" altLang="zh-CN" sz="2400" dirty="0" smtClean="0">
+                <a:solidFill>
+                  <a:schemeClr val="bg1"/>
+                </a:solidFill>
+              </a:rPr>
+              <a:t>······</a:t>
+            </a:r>
+            <a:endParaRPr lang="zh-CN" altLang="en-US" sz="2400" dirty="0">
+              <a:solidFill>
+                <a:schemeClr val="bg1"/>
+              </a:solidFill>
+            </a:endParaRPr>
+          </a:p>
+        </p:txBody>
+      </p:sp>
     </p:spTree>
     <p:extLst>
       <p:ext uri="{BB962C8B-B14F-4D97-AF65-F5344CB8AC3E}">
